--- a/Templates/Toolchain-big-picture-abstract-and-instance-example-5.0.pptx
+++ b/Templates/Toolchain-big-picture-abstract-and-instance-example-5.0.pptx
@@ -18,7 +18,7 @@
   <p:sldSz cx="12198350" cy="6858000"/>
   <p:notesSz cx="7102475" cy="10234613"/>
   <p:custDataLst>
-    <p:custData r:id="rId8"/>
+    <p:custData r:id="rId16"/>
     <p:tags r:id="rId25"/>
   </p:custDataLst>
   <p:defaultTextStyle>
@@ -3779,7 +3779,7 @@
           <a:graphicData uri="http://schemas.openxmlformats.org/presentationml/2006/ole">
             <mc:AlternateContent xmlns:mc="http://schemas.openxmlformats.org/markup-compatibility/2006">
               <mc:Choice xmlns:v="urn:schemas-microsoft-com:vml" Requires="v">
-                <p:oleObj spid="_x0000_s1363" name="think-cell Folie" r:id="rId36" imgW="360" imgH="360" progId="">
+                <p:oleObj spid="_x0000_s1366" name="think-cell Folie" r:id="rId36" imgW="360" imgH="360" progId="">
                   <p:embed/>
                 </p:oleObj>
               </mc:Choice>
@@ -6257,6 +6257,53 @@
             <a:r>
               <a:rPr lang="en-US"/>
               <a:t>Fifth level</a:t>
+            </a:r>
+          </a:p>
+        </p:txBody>
+      </p:sp>
+      <p:sp>
+        <p:nvSpPr>
+          <p:cNvPr id="2" name="Textfeld 1">
+            <a:extLst>
+              <a:ext uri="{FF2B5EF4-FFF2-40B4-BE49-F238E27FC236}">
+                <a16:creationId xmlns:a16="http://schemas.microsoft.com/office/drawing/2014/main" id="{67FD8FFF-743E-4F6A-9A06-327E92E5D6BB}"/>
+              </a:ext>
+            </a:extLst>
+          </p:cNvPr>
+          <p:cNvSpPr txBox="1"/>
+          <p:nvPr userDrawn="1"/>
+        </p:nvSpPr>
+        <p:spPr>
+          <a:xfrm>
+            <a:off x="4529636" y="6558773"/>
+            <a:ext cx="3719591" cy="425227"/>
+          </a:xfrm>
+          <a:prstGeom prst="rect">
+            <a:avLst/>
+          </a:prstGeom>
+          <a:noFill/>
+        </p:spPr>
+        <p:txBody>
+          <a:bodyPr wrap="none" lIns="0" tIns="0" rIns="0" bIns="0" rtlCol="0">
+            <a:noAutofit/>
+          </a:bodyPr>
+          <a:lstStyle/>
+          <a:p>
+            <a:pPr>
+              <a:lnSpc>
+                <a:spcPct val="110000"/>
+              </a:lnSpc>
+              <a:spcBef>
+                <a:spcPts val="0"/>
+              </a:spcBef>
+            </a:pPr>
+            <a:r>
+              <a:rPr lang="en-US" sz="1400" dirty="0">
+                <a:solidFill>
+                  <a:schemeClr val="tx1"/>
+                </a:solidFill>
+              </a:rPr>
+              <a:t>SPDX-License-Identifier: CC-BY-SA-4.0</a:t>
             </a:r>
           </a:p>
         </p:txBody>
@@ -20552,6 +20599,36 @@
           </a:p>
         </p:txBody>
       </p:sp>
+      <p:pic>
+        <p:nvPicPr>
+          <p:cNvPr id="131" name="Grafik 130">
+            <a:extLst>
+              <a:ext uri="{FF2B5EF4-FFF2-40B4-BE49-F238E27FC236}">
+                <a16:creationId xmlns:a16="http://schemas.microsoft.com/office/drawing/2014/main" id="{F23BA807-2F0D-498C-A437-42555B03E201}"/>
+              </a:ext>
+            </a:extLst>
+          </p:cNvPr>
+          <p:cNvPicPr>
+            <a:picLocks noChangeAspect="1"/>
+          </p:cNvPicPr>
+          <p:nvPr/>
+        </p:nvPicPr>
+        <p:blipFill>
+          <a:blip r:embed="rId10"/>
+          <a:stretch>
+            <a:fillRect/>
+          </a:stretch>
+        </p:blipFill>
+        <p:spPr>
+          <a:xfrm>
+            <a:off x="227679" y="3173485"/>
+            <a:ext cx="845160" cy="880844"/>
+          </a:xfrm>
+          <a:prstGeom prst="rect">
+            <a:avLst/>
+          </a:prstGeom>
+        </p:spPr>
+      </p:pic>
     </p:spTree>
     <p:extLst>
       <p:ext uri="{BB962C8B-B14F-4D97-AF65-F5344CB8AC3E}">
@@ -27767,6 +27844,36 @@
           </a:p>
         </p:txBody>
       </p:sp>
+      <p:pic>
+        <p:nvPicPr>
+          <p:cNvPr id="8" name="Grafik 7">
+            <a:extLst>
+              <a:ext uri="{FF2B5EF4-FFF2-40B4-BE49-F238E27FC236}">
+                <a16:creationId xmlns:a16="http://schemas.microsoft.com/office/drawing/2014/main" id="{C3BAC0D3-5857-4F30-8951-6CB563720135}"/>
+              </a:ext>
+            </a:extLst>
+          </p:cNvPr>
+          <p:cNvPicPr>
+            <a:picLocks noChangeAspect="1"/>
+          </p:cNvPicPr>
+          <p:nvPr/>
+        </p:nvPicPr>
+        <p:blipFill>
+          <a:blip r:embed="rId10"/>
+          <a:stretch>
+            <a:fillRect/>
+          </a:stretch>
+        </p:blipFill>
+        <p:spPr>
+          <a:xfrm>
+            <a:off x="227679" y="3173485"/>
+            <a:ext cx="845160" cy="880844"/>
+          </a:xfrm>
+          <a:prstGeom prst="rect">
+            <a:avLst/>
+          </a:prstGeom>
+        </p:spPr>
+      </p:pic>
     </p:spTree>
     <p:extLst>
       <p:ext uri="{BB962C8B-B14F-4D97-AF65-F5344CB8AC3E}">
@@ -29719,54 +29826,21 @@
 
 <file path=customXml/item1.xml><?xml version="1.0" encoding="utf-8"?>
 <p4ppTags>
-  <Name>One object (small) + Navigation</Name>
-  <PpLayout>32</PpLayout>
-  <Index>18</Index>
+  <Name>Four objects</Name>
+  <PpLayout>24</PpLayout>
+  <Index>15</Index>
 </p4ppTags>
 </file>
 
 <file path=customXml/item10.xml><?xml version="1.0" encoding="utf-8"?>
 <p4ppTags>
-  <Name>Text + Index</Name>
-  <PpLayout>32</PpLayout>
-  <Index>8</Index>
+  <Name>One object (large)</Name>
+  <PpLayout>16</PpLayout>
+  <Index>10</Index>
 </p4ppTags>
 </file>
 
 <file path=customXml/item11.xml><?xml version="1.0" encoding="utf-8"?>
-<p4ppTags>
-  <Name>Two columns</Name>
-  <PpLayout>29</PpLayout>
-  <Index>12</Index>
-</p4ppTags>
-</file>
-
-<file path=customXml/item12.xml><?xml version="1.0" encoding="utf-8"?>
-<p4ppTags>
-  <Name>One object (small)</Name>
-  <PpLayout>16</PpLayout>
-  <Index>11</Index>
-</p4ppTags>
-</file>
-
-<file path=customXml/item13.xml><?xml version="1.0" encoding="utf-8"?>
-<p4ppTags>
-  <Name>Three columns + Navigation</Name>
-  <PpLayout>32</PpLayout>
-  <Index>20</Index>
-</p4ppTags>
-</file>
-
-<file path=customXml/item14.xml><?xml version="1.0" encoding="utf-8"?>
-<p:properties xmlns:p="http://schemas.microsoft.com/office/2006/metadata/properties" xmlns:xsi="http://www.w3.org/2001/XMLSchema-instance">
-  <documentManagement>
-    <PublishingExpirationDate xmlns="http://schemas.microsoft.com/sharepoint/v3" xsi:nil="true"/>
-    <PublishingStartDate xmlns="http://schemas.microsoft.com/sharepoint/v3" xsi:nil="true"/>
-  </documentManagement>
-</p:properties>
-</file>
-
-<file path=customXml/item15.xml><?xml version="1.0" encoding="utf-8"?>
 <ct:contentTypeSchema xmlns:ct="http://schemas.microsoft.com/office/2006/metadata/contentType" xmlns:ma="http://schemas.microsoft.com/office/2006/metadata/properties/metaAttributes" ct:_="" ma:_="" ma:contentTypeName="Document" ma:contentTypeID="0x01010026F530587E03684C96E4C14F39C83C8E" ma:contentTypeVersion="1" ma:contentTypeDescription="Create a new document." ma:contentTypeScope="" ma:versionID="a7726241122b1ad33829eba8e69a544b">
   <xsd:schema xmlns:xsd="http://www.w3.org/2001/XMLSchema" xmlns:p="http://schemas.microsoft.com/office/2006/metadata/properties" xmlns:ns1="http://schemas.microsoft.com/sharepoint/v3" targetNamespace="http://schemas.microsoft.com/office/2006/metadata/properties" ma:root="true" ma:fieldsID="ddb0c952b897a810c8a4e377cff6bff8" ns1:_="">
     <xsd:import namespace="http://schemas.microsoft.com/sharepoint/v3"/>
@@ -29832,21 +29906,49 @@
 </ct:contentTypeSchema>
 </file>
 
-<file path=customXml/item16.xml><?xml version="1.0" encoding="utf-8"?>
+<file path=customXml/item12.xml><?xml version="1.0" encoding="utf-8"?>
 <p4ppTags>
-  <Name>Two columns + Navigation</Name>
+  <Name>Text + Index</Name>
   <PpLayout>32</PpLayout>
-  <Index>19</Index>
+  <Index>8</Index>
 </p4ppTags>
 </file>
 
+<file path=customXml/item13.xml><?xml version="1.0" encoding="utf-8"?>
+<p4ppTags>
+  <Name>Two rows</Name>
+  <PpLayout>32</PpLayout>
+  <Index>13</Index>
+</p4ppTags>
+</file>
+
+<file path=customXml/item14.xml><?xml version="1.0" encoding="utf-8"?>
+<p4ppTags>
+  <Name>Three columns</Name>
+  <PpLayout>32</PpLayout>
+  <Index>14</Index>
+</p4ppTags>
+</file>
+
+<file path=customXml/item15.xml><?xml version="1.0" encoding="utf-8"?>
+<p:properties xmlns:p="http://schemas.microsoft.com/office/2006/metadata/properties" xmlns:xsi="http://www.w3.org/2001/XMLSchema-instance">
+  <documentManagement>
+    <PublishingExpirationDate xmlns="http://schemas.microsoft.com/sharepoint/v3" xsi:nil="true"/>
+    <PublishingStartDate xmlns="http://schemas.microsoft.com/sharepoint/v3" xsi:nil="true"/>
+  </documentManagement>
+</p:properties>
+</file>
+
+<file path=customXml/item16.xml><?xml version="1.0" encoding="utf-8"?>
+<p4ppTags/>
+</file>
+
 <file path=customXml/item17.xml><?xml version="1.0" encoding="utf-8"?>
-<?mso-contentType ?>
-<FormTemplates xmlns="http://schemas.microsoft.com/sharepoint/v3/contenttype/forms">
-  <Display>DocumentLibraryForm</Display>
-  <Edit>DocumentLibraryForm</Edit>
-  <New>DocumentLibraryForm</New>
-</FormTemplates>
+<p4ppTags>
+  <Name>Three columns + Navigation</Name>
+  <PpLayout>32</PpLayout>
+  <Index>20</Index>
+</p4ppTags>
 </file>
 
 <file path=customXml/item18.xml><?xml version="1.0" encoding="utf-8"?>
@@ -29859,37 +29961,54 @@
 
 <file path=customXml/item2.xml><?xml version="1.0" encoding="utf-8"?>
 <p4ppTags>
+  <Name>Two rows + Navigation</Name>
+  <PpLayout>32</PpLayout>
+  <Index>21</Index>
+</p4ppTags>
+</file>
+
+<file path=customXml/item3.xml><?xml version="1.0" encoding="utf-8"?>
+<p4ppTags>
+  <Name>One object (small)</Name>
+  <PpLayout>16</PpLayout>
+  <Index>11</Index>
+</p4ppTags>
+</file>
+
+<file path=customXml/item4.xml><?xml version="1.0" encoding="utf-8"?>
+<?mso-contentType ?>
+<FormTemplates xmlns="http://schemas.microsoft.com/sharepoint/v3/contenttype/forms">
+  <Display>DocumentLibraryForm</Display>
+  <Edit>DocumentLibraryForm</Edit>
+  <New>DocumentLibraryForm</New>
+</FormTemplates>
+</file>
+
+<file path=customXml/item5.xml><?xml version="1.0" encoding="utf-8"?>
+<p4ppTags>
   <Name>Free Content + Navigation</Name>
   <PpLayout>32</PpLayout>
   <Index>16</Index>
 </p4ppTags>
 </file>
 
-<file path=customXml/item3.xml><?xml version="1.0" encoding="utf-8"?>
+<file path=customXml/item6.xml><?xml version="1.0" encoding="utf-8"?>
 <p4ppTags>
-  <Name>Four objects</Name>
-  <PpLayout>24</PpLayout>
-  <Index>15</Index>
+  <Name>Two columns + Navigation</Name>
+  <PpLayout>32</PpLayout>
+  <Index>19</Index>
 </p4ppTags>
 </file>
 
-<file path=customXml/item4.xml><?xml version="1.0" encoding="utf-8"?>
+<file path=customXml/item7.xml><?xml version="1.0" encoding="utf-8"?>
 <p4ppTags>
-  <Name>Two rows</Name>
+  <Name>One object (small) + Navigation</Name>
   <PpLayout>32</PpLayout>
-  <Index>13</Index>
+  <Index>18</Index>
 </p4ppTags>
 </file>
 
-<file path=customXml/item5.xml><?xml version="1.0" encoding="utf-8"?>
-<p4ppTags>
-  <Name>One object (large)</Name>
-  <PpLayout>16</PpLayout>
-  <Index>10</Index>
-</p4ppTags>
-</file>
-
-<file path=customXml/item6.xml><?xml version="1.0" encoding="utf-8"?>
+<file path=customXml/item8.xml><?xml version="1.0" encoding="utf-8"?>
 <p4ppTags>
   <Name>Free Content</Name>
   <PpLayout>11</PpLayout>
@@ -29897,72 +30016,27 @@
 </p4ppTags>
 </file>
 
-<file path=customXml/item7.xml><?xml version="1.0" encoding="utf-8"?>
-<p4ppTags>
-  <Name>Two rows + Navigation</Name>
-  <PpLayout>32</PpLayout>
-  <Index>21</Index>
-</p4ppTags>
-</file>
-
-<file path=customXml/item8.xml><?xml version="1.0" encoding="utf-8"?>
-<p4ppTags/>
-</file>
-
 <file path=customXml/item9.xml><?xml version="1.0" encoding="utf-8"?>
 <p4ppTags>
-  <Name>Three columns</Name>
-  <PpLayout>32</PpLayout>
-  <Index>14</Index>
+  <Name>Two columns</Name>
+  <PpLayout>29</PpLayout>
+  <Index>12</Index>
 </p4ppTags>
 </file>
 
 <file path=customXml/itemProps1.xml><?xml version="1.0" encoding="utf-8"?>
-<ds:datastoreItem xmlns:ds="http://schemas.openxmlformats.org/officeDocument/2006/customXml" ds:itemID="{D9FE249F-833E-4CF0-BECB-552D01D7DC9E}">
+<ds:datastoreItem xmlns:ds="http://schemas.openxmlformats.org/officeDocument/2006/customXml" ds:itemID="{1581BFFB-B4CE-47A8-BE77-DC1339B1E5A7}">
   <ds:schemaRefs/>
 </ds:datastoreItem>
 </file>
 
 <file path=customXml/itemProps10.xml><?xml version="1.0" encoding="utf-8"?>
-<ds:datastoreItem xmlns:ds="http://schemas.openxmlformats.org/officeDocument/2006/customXml" ds:itemID="{7E35FEDB-1F0E-4D67-A313-4AC59C26FF29}">
+<ds:datastoreItem xmlns:ds="http://schemas.openxmlformats.org/officeDocument/2006/customXml" ds:itemID="{80661B8B-A327-44F9-823B-4D9EE0B3EC78}">
   <ds:schemaRefs/>
 </ds:datastoreItem>
 </file>
 
 <file path=customXml/itemProps11.xml><?xml version="1.0" encoding="utf-8"?>
-<ds:datastoreItem xmlns:ds="http://schemas.openxmlformats.org/officeDocument/2006/customXml" ds:itemID="{1666F4C2-68F5-4840-A44A-1A646C0925A1}">
-  <ds:schemaRefs/>
-</ds:datastoreItem>
-</file>
-
-<file path=customXml/itemProps12.xml><?xml version="1.0" encoding="utf-8"?>
-<ds:datastoreItem xmlns:ds="http://schemas.openxmlformats.org/officeDocument/2006/customXml" ds:itemID="{1618AA06-B22E-4D19-9680-0D7830426729}">
-  <ds:schemaRefs/>
-</ds:datastoreItem>
-</file>
-
-<file path=customXml/itemProps13.xml><?xml version="1.0" encoding="utf-8"?>
-<ds:datastoreItem xmlns:ds="http://schemas.openxmlformats.org/officeDocument/2006/customXml" ds:itemID="{85D77EE6-52B7-48BE-9EDB-748F1EBB53DE}">
-  <ds:schemaRefs/>
-</ds:datastoreItem>
-</file>
-
-<file path=customXml/itemProps14.xml><?xml version="1.0" encoding="utf-8"?>
-<ds:datastoreItem xmlns:ds="http://schemas.openxmlformats.org/officeDocument/2006/customXml" ds:itemID="{C3CCD83D-9C91-4A4B-87D6-2A0CC03F9D68}">
-  <ds:schemaRefs>
-    <ds:schemaRef ds:uri="http://purl.org/dc/elements/1.1/"/>
-    <ds:schemaRef ds:uri="http://schemas.microsoft.com/office/2006/metadata/properties"/>
-    <ds:schemaRef ds:uri="http://schemas.microsoft.com/office/2006/documentManagement/types"/>
-    <ds:schemaRef ds:uri="http://schemas.microsoft.com/sharepoint/v3"/>
-    <ds:schemaRef ds:uri="http://purl.org/dc/terms/"/>
-    <ds:schemaRef ds:uri="http://schemas.openxmlformats.org/package/2006/metadata/core-properties"/>
-    <ds:schemaRef ds:uri="http://purl.org/dc/dcmitype/"/>
-    <ds:schemaRef ds:uri="http://www.w3.org/XML/1998/namespace"/>
-  </ds:schemaRefs>
-</ds:datastoreItem>
-</file>
-
-<file path=customXml/itemProps15.xml><?xml version="1.0" encoding="utf-8"?>
 <ds:datastoreItem xmlns:ds="http://schemas.openxmlformats.org/officeDocument/2006/customXml" ds:itemID="{DDD5559B-0584-4B05-A285-1FEC88814B30}">
   <ds:schemaRefs>
     <ds:schemaRef ds:uri="http://schemas.microsoft.com/office/2006/metadata/contentType"/>
@@ -29979,17 +30053,48 @@
 </ds:datastoreItem>
 </file>
 
+<file path=customXml/itemProps12.xml><?xml version="1.0" encoding="utf-8"?>
+<ds:datastoreItem xmlns:ds="http://schemas.openxmlformats.org/officeDocument/2006/customXml" ds:itemID="{7E35FEDB-1F0E-4D67-A313-4AC59C26FF29}">
+  <ds:schemaRefs/>
+</ds:datastoreItem>
+</file>
+
+<file path=customXml/itemProps13.xml><?xml version="1.0" encoding="utf-8"?>
+<ds:datastoreItem xmlns:ds="http://schemas.openxmlformats.org/officeDocument/2006/customXml" ds:itemID="{38AB8DE4-FD9B-4166-BEC3-3F1753596133}">
+  <ds:schemaRefs/>
+</ds:datastoreItem>
+</file>
+
+<file path=customXml/itemProps14.xml><?xml version="1.0" encoding="utf-8"?>
+<ds:datastoreItem xmlns:ds="http://schemas.openxmlformats.org/officeDocument/2006/customXml" ds:itemID="{15CF3461-70D1-4B54-AFAB-DAFDA0A238CD}">
+  <ds:schemaRefs/>
+</ds:datastoreItem>
+</file>
+
+<file path=customXml/itemProps15.xml><?xml version="1.0" encoding="utf-8"?>
+<ds:datastoreItem xmlns:ds="http://schemas.openxmlformats.org/officeDocument/2006/customXml" ds:itemID="{C3CCD83D-9C91-4A4B-87D6-2A0CC03F9D68}">
+  <ds:schemaRefs>
+    <ds:schemaRef ds:uri="http://purl.org/dc/elements/1.1/"/>
+    <ds:schemaRef ds:uri="http://schemas.microsoft.com/office/2006/metadata/properties"/>
+    <ds:schemaRef ds:uri="http://schemas.microsoft.com/office/2006/documentManagement/types"/>
+    <ds:schemaRef ds:uri="http://schemas.microsoft.com/sharepoint/v3"/>
+    <ds:schemaRef ds:uri="http://purl.org/dc/terms/"/>
+    <ds:schemaRef ds:uri="http://schemas.openxmlformats.org/package/2006/metadata/core-properties"/>
+    <ds:schemaRef ds:uri="http://purl.org/dc/dcmitype/"/>
+    <ds:schemaRef ds:uri="http://www.w3.org/XML/1998/namespace"/>
+  </ds:schemaRefs>
+</ds:datastoreItem>
+</file>
+
 <file path=customXml/itemProps16.xml><?xml version="1.0" encoding="utf-8"?>
-<ds:datastoreItem xmlns:ds="http://schemas.openxmlformats.org/officeDocument/2006/customXml" ds:itemID="{D7BABA95-BFFE-422B-8591-3271669EEA88}">
+<ds:datastoreItem xmlns:ds="http://schemas.openxmlformats.org/officeDocument/2006/customXml" ds:itemID="{572FBA73-6DBF-45DA-8282-9342320CFAB0}">
   <ds:schemaRefs/>
 </ds:datastoreItem>
 </file>
 
 <file path=customXml/itemProps17.xml><?xml version="1.0" encoding="utf-8"?>
-<ds:datastoreItem xmlns:ds="http://schemas.openxmlformats.org/officeDocument/2006/customXml" ds:itemID="{C770A9D8-EB8A-4EA7-9CCD-8AD3EAF96C52}">
-  <ds:schemaRefs>
-    <ds:schemaRef ds:uri="http://schemas.microsoft.com/sharepoint/v3/contenttype/forms"/>
-  </ds:schemaRefs>
+<ds:datastoreItem xmlns:ds="http://schemas.openxmlformats.org/officeDocument/2006/customXml" ds:itemID="{85D77EE6-52B7-48BE-9EDB-748F1EBB53DE}">
+  <ds:schemaRefs/>
 </ds:datastoreItem>
 </file>
 
@@ -30000,49 +30105,51 @@
 </file>
 
 <file path=customXml/itemProps2.xml><?xml version="1.0" encoding="utf-8"?>
+<ds:datastoreItem xmlns:ds="http://schemas.openxmlformats.org/officeDocument/2006/customXml" ds:itemID="{6C79E4F8-DCFB-483C-880A-AEEC6AAFC838}">
+  <ds:schemaRefs/>
+</ds:datastoreItem>
+</file>
+
+<file path=customXml/itemProps3.xml><?xml version="1.0" encoding="utf-8"?>
+<ds:datastoreItem xmlns:ds="http://schemas.openxmlformats.org/officeDocument/2006/customXml" ds:itemID="{1618AA06-B22E-4D19-9680-0D7830426729}">
+  <ds:schemaRefs/>
+</ds:datastoreItem>
+</file>
+
+<file path=customXml/itemProps4.xml><?xml version="1.0" encoding="utf-8"?>
+<ds:datastoreItem xmlns:ds="http://schemas.openxmlformats.org/officeDocument/2006/customXml" ds:itemID="{C770A9D8-EB8A-4EA7-9CCD-8AD3EAF96C52}">
+  <ds:schemaRefs>
+    <ds:schemaRef ds:uri="http://schemas.microsoft.com/sharepoint/v3/contenttype/forms"/>
+  </ds:schemaRefs>
+</ds:datastoreItem>
+</file>
+
+<file path=customXml/itemProps5.xml><?xml version="1.0" encoding="utf-8"?>
 <ds:datastoreItem xmlns:ds="http://schemas.openxmlformats.org/officeDocument/2006/customXml" ds:itemID="{7CC5F709-E74B-4E5F-A728-923D5062EBEF}">
   <ds:schemaRefs/>
 </ds:datastoreItem>
 </file>
 
-<file path=customXml/itemProps3.xml><?xml version="1.0" encoding="utf-8"?>
-<ds:datastoreItem xmlns:ds="http://schemas.openxmlformats.org/officeDocument/2006/customXml" ds:itemID="{1581BFFB-B4CE-47A8-BE77-DC1339B1E5A7}">
+<file path=customXml/itemProps6.xml><?xml version="1.0" encoding="utf-8"?>
+<ds:datastoreItem xmlns:ds="http://schemas.openxmlformats.org/officeDocument/2006/customXml" ds:itemID="{D7BABA95-BFFE-422B-8591-3271669EEA88}">
   <ds:schemaRefs/>
 </ds:datastoreItem>
 </file>
 
-<file path=customXml/itemProps4.xml><?xml version="1.0" encoding="utf-8"?>
-<ds:datastoreItem xmlns:ds="http://schemas.openxmlformats.org/officeDocument/2006/customXml" ds:itemID="{38AB8DE4-FD9B-4166-BEC3-3F1753596133}">
+<file path=customXml/itemProps7.xml><?xml version="1.0" encoding="utf-8"?>
+<ds:datastoreItem xmlns:ds="http://schemas.openxmlformats.org/officeDocument/2006/customXml" ds:itemID="{D9FE249F-833E-4CF0-BECB-552D01D7DC9E}">
   <ds:schemaRefs/>
 </ds:datastoreItem>
 </file>
 
-<file path=customXml/itemProps5.xml><?xml version="1.0" encoding="utf-8"?>
-<ds:datastoreItem xmlns:ds="http://schemas.openxmlformats.org/officeDocument/2006/customXml" ds:itemID="{80661B8B-A327-44F9-823B-4D9EE0B3EC78}">
-  <ds:schemaRefs/>
-</ds:datastoreItem>
-</file>
-
-<file path=customXml/itemProps6.xml><?xml version="1.0" encoding="utf-8"?>
+<file path=customXml/itemProps8.xml><?xml version="1.0" encoding="utf-8"?>
 <ds:datastoreItem xmlns:ds="http://schemas.openxmlformats.org/officeDocument/2006/customXml" ds:itemID="{D8097D0C-BE3E-4AEC-9593-65CFCCB19297}">
   <ds:schemaRefs/>
 </ds:datastoreItem>
 </file>
 
-<file path=customXml/itemProps7.xml><?xml version="1.0" encoding="utf-8"?>
-<ds:datastoreItem xmlns:ds="http://schemas.openxmlformats.org/officeDocument/2006/customXml" ds:itemID="{6C79E4F8-DCFB-483C-880A-AEEC6AAFC838}">
-  <ds:schemaRefs/>
-</ds:datastoreItem>
-</file>
-
-<file path=customXml/itemProps8.xml><?xml version="1.0" encoding="utf-8"?>
-<ds:datastoreItem xmlns:ds="http://schemas.openxmlformats.org/officeDocument/2006/customXml" ds:itemID="{572FBA73-6DBF-45DA-8282-9342320CFAB0}">
-  <ds:schemaRefs/>
-</ds:datastoreItem>
-</file>
-
 <file path=customXml/itemProps9.xml><?xml version="1.0" encoding="utf-8"?>
-<ds:datastoreItem xmlns:ds="http://schemas.openxmlformats.org/officeDocument/2006/customXml" ds:itemID="{15CF3461-70D1-4B54-AFAB-DAFDA0A238CD}">
+<ds:datastoreItem xmlns:ds="http://schemas.openxmlformats.org/officeDocument/2006/customXml" ds:itemID="{1666F4C2-68F5-4840-A44A-1A646C0925A1}">
   <ds:schemaRefs/>
 </ds:datastoreItem>
 </file>